--- a/Presentation1.pptx
+++ b/Presentation1.pptx
@@ -7,16 +7,21 @@
   <p:sldIdLst>
     <p:sldId id="256" r:id="rId2"/>
     <p:sldId id="257" r:id="rId3"/>
-    <p:sldId id="258" r:id="rId4"/>
-    <p:sldId id="259" r:id="rId5"/>
+    <p:sldId id="260" r:id="rId4"/>
+    <p:sldId id="261" r:id="rId5"/>
+    <p:sldId id="262" r:id="rId6"/>
+    <p:sldId id="263" r:id="rId7"/>
+    <p:sldId id="264" r:id="rId8"/>
+    <p:sldId id="258" r:id="rId9"/>
+    <p:sldId id="259" r:id="rId10"/>
   </p:sldIdLst>
-  <p:sldSz cx="12192000" cy="6858000"/>
+  <p:sldSz cx="9144000" cy="6858000" type="screen4x3"/>
   <p:notesSz cx="6858000" cy="9144000"/>
   <p:defaultTextStyle>
     <a:defPPr>
       <a:defRPr lang="en-US"/>
     </a:defPPr>
-    <a:lvl1pPr marL="0" algn="l" defTabSz="914400" rtl="0" eaLnBrk="1" latinLnBrk="0" hangingPunct="1">
+    <a:lvl1pPr marL="0" algn="l" defTabSz="914296" rtl="0" eaLnBrk="1" latinLnBrk="0" hangingPunct="1">
       <a:defRPr sz="1800" kern="1200">
         <a:solidFill>
           <a:schemeClr val="tx1"/>
@@ -26,7 +31,7 @@
         <a:cs typeface="+mn-cs"/>
       </a:defRPr>
     </a:lvl1pPr>
-    <a:lvl2pPr marL="457200" algn="l" defTabSz="914400" rtl="0" eaLnBrk="1" latinLnBrk="0" hangingPunct="1">
+    <a:lvl2pPr marL="457148" algn="l" defTabSz="914296" rtl="0" eaLnBrk="1" latinLnBrk="0" hangingPunct="1">
       <a:defRPr sz="1800" kern="1200">
         <a:solidFill>
           <a:schemeClr val="tx1"/>
@@ -36,7 +41,7 @@
         <a:cs typeface="+mn-cs"/>
       </a:defRPr>
     </a:lvl2pPr>
-    <a:lvl3pPr marL="914400" algn="l" defTabSz="914400" rtl="0" eaLnBrk="1" latinLnBrk="0" hangingPunct="1">
+    <a:lvl3pPr marL="914296" algn="l" defTabSz="914296" rtl="0" eaLnBrk="1" latinLnBrk="0" hangingPunct="1">
       <a:defRPr sz="1800" kern="1200">
         <a:solidFill>
           <a:schemeClr val="tx1"/>
@@ -46,7 +51,7 @@
         <a:cs typeface="+mn-cs"/>
       </a:defRPr>
     </a:lvl3pPr>
-    <a:lvl4pPr marL="1371600" algn="l" defTabSz="914400" rtl="0" eaLnBrk="1" latinLnBrk="0" hangingPunct="1">
+    <a:lvl4pPr marL="1371445" algn="l" defTabSz="914296" rtl="0" eaLnBrk="1" latinLnBrk="0" hangingPunct="1">
       <a:defRPr sz="1800" kern="1200">
         <a:solidFill>
           <a:schemeClr val="tx1"/>
@@ -56,7 +61,7 @@
         <a:cs typeface="+mn-cs"/>
       </a:defRPr>
     </a:lvl4pPr>
-    <a:lvl5pPr marL="1828800" algn="l" defTabSz="914400" rtl="0" eaLnBrk="1" latinLnBrk="0" hangingPunct="1">
+    <a:lvl5pPr marL="1828592" algn="l" defTabSz="914296" rtl="0" eaLnBrk="1" latinLnBrk="0" hangingPunct="1">
       <a:defRPr sz="1800" kern="1200">
         <a:solidFill>
           <a:schemeClr val="tx1"/>
@@ -66,7 +71,7 @@
         <a:cs typeface="+mn-cs"/>
       </a:defRPr>
     </a:lvl5pPr>
-    <a:lvl6pPr marL="2286000" algn="l" defTabSz="914400" rtl="0" eaLnBrk="1" latinLnBrk="0" hangingPunct="1">
+    <a:lvl6pPr marL="2285740" algn="l" defTabSz="914296" rtl="0" eaLnBrk="1" latinLnBrk="0" hangingPunct="1">
       <a:defRPr sz="1800" kern="1200">
         <a:solidFill>
           <a:schemeClr val="tx1"/>
@@ -76,7 +81,7 @@
         <a:cs typeface="+mn-cs"/>
       </a:defRPr>
     </a:lvl6pPr>
-    <a:lvl7pPr marL="2743200" algn="l" defTabSz="914400" rtl="0" eaLnBrk="1" latinLnBrk="0" hangingPunct="1">
+    <a:lvl7pPr marL="2742888" algn="l" defTabSz="914296" rtl="0" eaLnBrk="1" latinLnBrk="0" hangingPunct="1">
       <a:defRPr sz="1800" kern="1200">
         <a:solidFill>
           <a:schemeClr val="tx1"/>
@@ -86,7 +91,7 @@
         <a:cs typeface="+mn-cs"/>
       </a:defRPr>
     </a:lvl7pPr>
-    <a:lvl8pPr marL="3200400" algn="l" defTabSz="914400" rtl="0" eaLnBrk="1" latinLnBrk="0" hangingPunct="1">
+    <a:lvl8pPr marL="3200036" algn="l" defTabSz="914296" rtl="0" eaLnBrk="1" latinLnBrk="0" hangingPunct="1">
       <a:defRPr sz="1800" kern="1200">
         <a:solidFill>
           <a:schemeClr val="tx1"/>
@@ -96,7 +101,7 @@
         <a:cs typeface="+mn-cs"/>
       </a:defRPr>
     </a:lvl8pPr>
-    <a:lvl9pPr marL="3657600" algn="l" defTabSz="914400" rtl="0" eaLnBrk="1" latinLnBrk="0" hangingPunct="1">
+    <a:lvl9pPr marL="3657184" algn="l" defTabSz="914296" rtl="0" eaLnBrk="1" latinLnBrk="0" hangingPunct="1">
       <a:defRPr sz="1800" kern="1200">
         <a:solidFill>
           <a:schemeClr val="tx1"/>
@@ -139,8 +144,8 @@
         </p:nvSpPr>
         <p:spPr>
           <a:xfrm>
-            <a:off x="1524000" y="1122363"/>
-            <a:ext cx="9144000" cy="2387600"/>
+            <a:off x="1143000" y="1122363"/>
+            <a:ext cx="6858000" cy="2387600"/>
           </a:xfrm>
         </p:spPr>
         <p:txBody>
@@ -171,8 +176,8 @@
         </p:nvSpPr>
         <p:spPr>
           <a:xfrm>
-            <a:off x="1524000" y="3602038"/>
-            <a:ext cx="9144000" cy="1655762"/>
+            <a:off x="1143000" y="3602037"/>
+            <a:ext cx="6858000" cy="1655763"/>
           </a:xfrm>
         </p:spPr>
         <p:txBody>
@@ -180,37 +185,37 @@
           <a:lstStyle>
             <a:lvl1pPr marL="0" indent="0" algn="ctr">
               <a:buNone/>
-              <a:defRPr sz="2400"/>
+              <a:defRPr sz="2300"/>
             </a:lvl1pPr>
-            <a:lvl2pPr marL="457200" indent="0" algn="ctr">
+            <a:lvl2pPr marL="457148" indent="0" algn="ctr">
               <a:buNone/>
               <a:defRPr sz="2000"/>
             </a:lvl2pPr>
-            <a:lvl3pPr marL="914400" indent="0" algn="ctr">
+            <a:lvl3pPr marL="914296" indent="0" algn="ctr">
               <a:buNone/>
               <a:defRPr sz="1800"/>
             </a:lvl3pPr>
-            <a:lvl4pPr marL="1371600" indent="0" algn="ctr">
+            <a:lvl4pPr marL="1371445" indent="0" algn="ctr">
               <a:buNone/>
               <a:defRPr sz="1600"/>
             </a:lvl4pPr>
-            <a:lvl5pPr marL="1828800" indent="0" algn="ctr">
+            <a:lvl5pPr marL="1828592" indent="0" algn="ctr">
               <a:buNone/>
               <a:defRPr sz="1600"/>
             </a:lvl5pPr>
-            <a:lvl6pPr marL="2286000" indent="0" algn="ctr">
+            <a:lvl6pPr marL="2285740" indent="0" algn="ctr">
               <a:buNone/>
               <a:defRPr sz="1600"/>
             </a:lvl6pPr>
-            <a:lvl7pPr marL="2743200" indent="0" algn="ctr">
+            <a:lvl7pPr marL="2742888" indent="0" algn="ctr">
               <a:buNone/>
               <a:defRPr sz="1600"/>
             </a:lvl7pPr>
-            <a:lvl8pPr marL="3200400" indent="0" algn="ctr">
+            <a:lvl8pPr marL="3200036" indent="0" algn="ctr">
               <a:buNone/>
               <a:defRPr sz="1600"/>
             </a:lvl8pPr>
-            <a:lvl9pPr marL="3657600" indent="0" algn="ctr">
+            <a:lvl9pPr marL="3657184" indent="0" algn="ctr">
               <a:buNone/>
               <a:defRPr sz="1600"/>
             </a:lvl9pPr>
@@ -241,7 +246,7 @@
           <a:p>
             <a:fld id="{F1341232-24A3-4A3F-87D1-12897675C94C}" type="datetimeFigureOut">
               <a:rPr lang="en-IN" smtClean="0"/>
-              <a:t>25-07-2016</a:t>
+              <a:t>26-07-2016</a:t>
             </a:fld>
             <a:endParaRPr lang="en-IN"/>
           </a:p>
@@ -411,7 +416,7 @@
           <a:p>
             <a:fld id="{F1341232-24A3-4A3F-87D1-12897675C94C}" type="datetimeFigureOut">
               <a:rPr lang="en-IN" smtClean="0"/>
-              <a:t>25-07-2016</a:t>
+              <a:t>26-07-2016</a:t>
             </a:fld>
             <a:endParaRPr lang="en-IN"/>
           </a:p>
@@ -501,8 +506,8 @@
         </p:nvSpPr>
         <p:spPr>
           <a:xfrm>
-            <a:off x="8724900" y="365125"/>
-            <a:ext cx="2628900" cy="5811838"/>
+            <a:off x="6543676" y="365124"/>
+            <a:ext cx="1971675" cy="5811839"/>
           </a:xfrm>
         </p:spPr>
         <p:txBody>
@@ -529,8 +534,8 @@
         </p:nvSpPr>
         <p:spPr>
           <a:xfrm>
-            <a:off x="838200" y="365125"/>
-            <a:ext cx="7734300" cy="5811838"/>
+            <a:off x="628651" y="365124"/>
+            <a:ext cx="5800725" cy="5811839"/>
           </a:xfrm>
         </p:spPr>
         <p:txBody>
@@ -591,7 +596,7 @@
           <a:p>
             <a:fld id="{F1341232-24A3-4A3F-87D1-12897675C94C}" type="datetimeFigureOut">
               <a:rPr lang="en-IN" smtClean="0"/>
-              <a:t>25-07-2016</a:t>
+              <a:t>26-07-2016</a:t>
             </a:fld>
             <a:endParaRPr lang="en-IN"/>
           </a:p>
@@ -761,7 +766,7 @@
           <a:p>
             <a:fld id="{F1341232-24A3-4A3F-87D1-12897675C94C}" type="datetimeFigureOut">
               <a:rPr lang="en-IN" smtClean="0"/>
-              <a:t>25-07-2016</a:t>
+              <a:t>26-07-2016</a:t>
             </a:fld>
             <a:endParaRPr lang="en-IN"/>
           </a:p>
@@ -851,8 +856,8 @@
         </p:nvSpPr>
         <p:spPr>
           <a:xfrm>
-            <a:off x="831850" y="1709738"/>
-            <a:ext cx="10515600" cy="2852737"/>
+            <a:off x="623889" y="1709741"/>
+            <a:ext cx="7886700" cy="2852737"/>
           </a:xfrm>
         </p:spPr>
         <p:txBody>
@@ -883,8 +888,8 @@
         </p:nvSpPr>
         <p:spPr>
           <a:xfrm>
-            <a:off x="831850" y="4589463"/>
-            <a:ext cx="10515600" cy="1500187"/>
+            <a:off x="623889" y="4589466"/>
+            <a:ext cx="7886700" cy="1500187"/>
           </a:xfrm>
         </p:spPr>
         <p:txBody>
@@ -892,7 +897,7 @@
           <a:lstStyle>
             <a:lvl1pPr marL="0" indent="0">
               <a:buNone/>
-              <a:defRPr sz="2400">
+              <a:defRPr sz="2300">
                 <a:solidFill>
                   <a:schemeClr val="tx1">
                     <a:tint val="75000"/>
@@ -900,7 +905,7 @@
                 </a:solidFill>
               </a:defRPr>
             </a:lvl1pPr>
-            <a:lvl2pPr marL="457200" indent="0">
+            <a:lvl2pPr marL="457148" indent="0">
               <a:buNone/>
               <a:defRPr sz="2000">
                 <a:solidFill>
@@ -910,7 +915,7 @@
                 </a:solidFill>
               </a:defRPr>
             </a:lvl2pPr>
-            <a:lvl3pPr marL="914400" indent="0">
+            <a:lvl3pPr marL="914296" indent="0">
               <a:buNone/>
               <a:defRPr sz="1800">
                 <a:solidFill>
@@ -920,7 +925,7 @@
                 </a:solidFill>
               </a:defRPr>
             </a:lvl3pPr>
-            <a:lvl4pPr marL="1371600" indent="0">
+            <a:lvl4pPr marL="1371445" indent="0">
               <a:buNone/>
               <a:defRPr sz="1600">
                 <a:solidFill>
@@ -930,7 +935,7 @@
                 </a:solidFill>
               </a:defRPr>
             </a:lvl4pPr>
-            <a:lvl5pPr marL="1828800" indent="0">
+            <a:lvl5pPr marL="1828592" indent="0">
               <a:buNone/>
               <a:defRPr sz="1600">
                 <a:solidFill>
@@ -940,7 +945,7 @@
                 </a:solidFill>
               </a:defRPr>
             </a:lvl5pPr>
-            <a:lvl6pPr marL="2286000" indent="0">
+            <a:lvl6pPr marL="2285740" indent="0">
               <a:buNone/>
               <a:defRPr sz="1600">
                 <a:solidFill>
@@ -950,7 +955,7 @@
                 </a:solidFill>
               </a:defRPr>
             </a:lvl6pPr>
-            <a:lvl7pPr marL="2743200" indent="0">
+            <a:lvl7pPr marL="2742888" indent="0">
               <a:buNone/>
               <a:defRPr sz="1600">
                 <a:solidFill>
@@ -960,7 +965,7 @@
                 </a:solidFill>
               </a:defRPr>
             </a:lvl7pPr>
-            <a:lvl8pPr marL="3200400" indent="0">
+            <a:lvl8pPr marL="3200036" indent="0">
               <a:buNone/>
               <a:defRPr sz="1600">
                 <a:solidFill>
@@ -970,7 +975,7 @@
                 </a:solidFill>
               </a:defRPr>
             </a:lvl8pPr>
-            <a:lvl9pPr marL="3657600" indent="0">
+            <a:lvl9pPr marL="3657184" indent="0">
               <a:buNone/>
               <a:defRPr sz="1600">
                 <a:solidFill>
@@ -1007,7 +1012,7 @@
           <a:p>
             <a:fld id="{F1341232-24A3-4A3F-87D1-12897675C94C}" type="datetimeFigureOut">
               <a:rPr lang="en-IN" smtClean="0"/>
-              <a:t>25-07-2016</a:t>
+              <a:t>26-07-2016</a:t>
             </a:fld>
             <a:endParaRPr lang="en-IN"/>
           </a:p>
@@ -1120,8 +1125,8 @@
         </p:nvSpPr>
         <p:spPr>
           <a:xfrm>
-            <a:off x="838200" y="1825625"/>
-            <a:ext cx="5181600" cy="4351338"/>
+            <a:off x="628650" y="1825624"/>
+            <a:ext cx="3886200" cy="4351339"/>
           </a:xfrm>
         </p:spPr>
         <p:txBody>
@@ -1177,8 +1182,8 @@
         </p:nvSpPr>
         <p:spPr>
           <a:xfrm>
-            <a:off x="6172200" y="1825625"/>
-            <a:ext cx="5181600" cy="4351338"/>
+            <a:off x="4629150" y="1825624"/>
+            <a:ext cx="3886200" cy="4351339"/>
           </a:xfrm>
         </p:spPr>
         <p:txBody>
@@ -1239,7 +1244,7 @@
           <a:p>
             <a:fld id="{F1341232-24A3-4A3F-87D1-12897675C94C}" type="datetimeFigureOut">
               <a:rPr lang="en-IN" smtClean="0"/>
-              <a:t>25-07-2016</a:t>
+              <a:t>26-07-2016</a:t>
             </a:fld>
             <a:endParaRPr lang="en-IN"/>
           </a:p>
@@ -1329,8 +1334,8 @@
         </p:nvSpPr>
         <p:spPr>
           <a:xfrm>
-            <a:off x="839788" y="365125"/>
-            <a:ext cx="10515600" cy="1325563"/>
+            <a:off x="629843" y="365126"/>
+            <a:ext cx="7886700" cy="1325563"/>
           </a:xfrm>
         </p:spPr>
         <p:txBody>
@@ -1357,8 +1362,8 @@
         </p:nvSpPr>
         <p:spPr>
           <a:xfrm>
-            <a:off x="839788" y="1681163"/>
-            <a:ext cx="5157787" cy="823912"/>
+            <a:off x="629841" y="1681163"/>
+            <a:ext cx="3868340" cy="823912"/>
           </a:xfrm>
         </p:spPr>
         <p:txBody>
@@ -1366,37 +1371,37 @@
           <a:lstStyle>
             <a:lvl1pPr marL="0" indent="0">
               <a:buNone/>
-              <a:defRPr sz="2400" b="1"/>
+              <a:defRPr sz="2300" b="1"/>
             </a:lvl1pPr>
-            <a:lvl2pPr marL="457200" indent="0">
+            <a:lvl2pPr marL="457148" indent="0">
               <a:buNone/>
               <a:defRPr sz="2000" b="1"/>
             </a:lvl2pPr>
-            <a:lvl3pPr marL="914400" indent="0">
+            <a:lvl3pPr marL="914296" indent="0">
               <a:buNone/>
               <a:defRPr sz="1800" b="1"/>
             </a:lvl3pPr>
-            <a:lvl4pPr marL="1371600" indent="0">
+            <a:lvl4pPr marL="1371445" indent="0">
               <a:buNone/>
               <a:defRPr sz="1600" b="1"/>
             </a:lvl4pPr>
-            <a:lvl5pPr marL="1828800" indent="0">
+            <a:lvl5pPr marL="1828592" indent="0">
               <a:buNone/>
               <a:defRPr sz="1600" b="1"/>
             </a:lvl5pPr>
-            <a:lvl6pPr marL="2286000" indent="0">
+            <a:lvl6pPr marL="2285740" indent="0">
               <a:buNone/>
               <a:defRPr sz="1600" b="1"/>
             </a:lvl6pPr>
-            <a:lvl7pPr marL="2743200" indent="0">
+            <a:lvl7pPr marL="2742888" indent="0">
               <a:buNone/>
               <a:defRPr sz="1600" b="1"/>
             </a:lvl7pPr>
-            <a:lvl8pPr marL="3200400" indent="0">
+            <a:lvl8pPr marL="3200036" indent="0">
               <a:buNone/>
               <a:defRPr sz="1600" b="1"/>
             </a:lvl8pPr>
-            <a:lvl9pPr marL="3657600" indent="0">
+            <a:lvl9pPr marL="3657184" indent="0">
               <a:buNone/>
               <a:defRPr sz="1600" b="1"/>
             </a:lvl9pPr>
@@ -1422,8 +1427,8 @@
         </p:nvSpPr>
         <p:spPr>
           <a:xfrm>
-            <a:off x="839788" y="2505075"/>
-            <a:ext cx="5157787" cy="3684588"/>
+            <a:off x="629841" y="2505075"/>
+            <a:ext cx="3868340" cy="3684588"/>
           </a:xfrm>
         </p:spPr>
         <p:txBody>
@@ -1479,8 +1484,8 @@
         </p:nvSpPr>
         <p:spPr>
           <a:xfrm>
-            <a:off x="6172200" y="1681163"/>
-            <a:ext cx="5183188" cy="823912"/>
+            <a:off x="4629150" y="1681163"/>
+            <a:ext cx="3887391" cy="823912"/>
           </a:xfrm>
         </p:spPr>
         <p:txBody>
@@ -1488,37 +1493,37 @@
           <a:lstStyle>
             <a:lvl1pPr marL="0" indent="0">
               <a:buNone/>
-              <a:defRPr sz="2400" b="1"/>
+              <a:defRPr sz="2300" b="1"/>
             </a:lvl1pPr>
-            <a:lvl2pPr marL="457200" indent="0">
+            <a:lvl2pPr marL="457148" indent="0">
               <a:buNone/>
               <a:defRPr sz="2000" b="1"/>
             </a:lvl2pPr>
-            <a:lvl3pPr marL="914400" indent="0">
+            <a:lvl3pPr marL="914296" indent="0">
               <a:buNone/>
               <a:defRPr sz="1800" b="1"/>
             </a:lvl3pPr>
-            <a:lvl4pPr marL="1371600" indent="0">
+            <a:lvl4pPr marL="1371445" indent="0">
               <a:buNone/>
               <a:defRPr sz="1600" b="1"/>
             </a:lvl4pPr>
-            <a:lvl5pPr marL="1828800" indent="0">
+            <a:lvl5pPr marL="1828592" indent="0">
               <a:buNone/>
               <a:defRPr sz="1600" b="1"/>
             </a:lvl5pPr>
-            <a:lvl6pPr marL="2286000" indent="0">
+            <a:lvl6pPr marL="2285740" indent="0">
               <a:buNone/>
               <a:defRPr sz="1600" b="1"/>
             </a:lvl6pPr>
-            <a:lvl7pPr marL="2743200" indent="0">
+            <a:lvl7pPr marL="2742888" indent="0">
               <a:buNone/>
               <a:defRPr sz="1600" b="1"/>
             </a:lvl7pPr>
-            <a:lvl8pPr marL="3200400" indent="0">
+            <a:lvl8pPr marL="3200036" indent="0">
               <a:buNone/>
               <a:defRPr sz="1600" b="1"/>
             </a:lvl8pPr>
-            <a:lvl9pPr marL="3657600" indent="0">
+            <a:lvl9pPr marL="3657184" indent="0">
               <a:buNone/>
               <a:defRPr sz="1600" b="1"/>
             </a:lvl9pPr>
@@ -1544,8 +1549,8 @@
         </p:nvSpPr>
         <p:spPr>
           <a:xfrm>
-            <a:off x="6172200" y="2505075"/>
-            <a:ext cx="5183188" cy="3684588"/>
+            <a:off x="4629150" y="2505075"/>
+            <a:ext cx="3887391" cy="3684588"/>
           </a:xfrm>
         </p:spPr>
         <p:txBody>
@@ -1606,7 +1611,7 @@
           <a:p>
             <a:fld id="{F1341232-24A3-4A3F-87D1-12897675C94C}" type="datetimeFigureOut">
               <a:rPr lang="en-IN" smtClean="0"/>
-              <a:t>25-07-2016</a:t>
+              <a:t>26-07-2016</a:t>
             </a:fld>
             <a:endParaRPr lang="en-IN"/>
           </a:p>
@@ -1724,7 +1729,7 @@
           <a:p>
             <a:fld id="{F1341232-24A3-4A3F-87D1-12897675C94C}" type="datetimeFigureOut">
               <a:rPr lang="en-IN" smtClean="0"/>
-              <a:t>25-07-2016</a:t>
+              <a:t>26-07-2016</a:t>
             </a:fld>
             <a:endParaRPr lang="en-IN"/>
           </a:p>
@@ -1819,7 +1824,7 @@
           <a:p>
             <a:fld id="{F1341232-24A3-4A3F-87D1-12897675C94C}" type="datetimeFigureOut">
               <a:rPr lang="en-IN" smtClean="0"/>
-              <a:t>25-07-2016</a:t>
+              <a:t>26-07-2016</a:t>
             </a:fld>
             <a:endParaRPr lang="en-IN"/>
           </a:p>
@@ -1909,8 +1914,8 @@
         </p:nvSpPr>
         <p:spPr>
           <a:xfrm>
-            <a:off x="839788" y="457200"/>
-            <a:ext cx="3932237" cy="1600200"/>
+            <a:off x="629843" y="457200"/>
+            <a:ext cx="2949178" cy="1600200"/>
           </a:xfrm>
         </p:spPr>
         <p:txBody>
@@ -1941,8 +1946,8 @@
         </p:nvSpPr>
         <p:spPr>
           <a:xfrm>
-            <a:off x="5183188" y="987425"/>
-            <a:ext cx="6172200" cy="4873625"/>
+            <a:off x="3887391" y="987427"/>
+            <a:ext cx="4629150" cy="4873625"/>
           </a:xfrm>
         </p:spPr>
         <p:txBody>
@@ -1955,7 +1960,7 @@
               <a:defRPr sz="2800"/>
             </a:lvl2pPr>
             <a:lvl3pPr>
-              <a:defRPr sz="2400"/>
+              <a:defRPr sz="2300"/>
             </a:lvl3pPr>
             <a:lvl4pPr>
               <a:defRPr sz="2000"/>
@@ -2026,8 +2031,8 @@
         </p:nvSpPr>
         <p:spPr>
           <a:xfrm>
-            <a:off x="839788" y="2057400"/>
-            <a:ext cx="3932237" cy="3811588"/>
+            <a:off x="629843" y="2057401"/>
+            <a:ext cx="2949178" cy="3811588"/>
           </a:xfrm>
         </p:spPr>
         <p:txBody>
@@ -2037,37 +2042,37 @@
               <a:buNone/>
               <a:defRPr sz="1600"/>
             </a:lvl1pPr>
-            <a:lvl2pPr marL="457200" indent="0">
+            <a:lvl2pPr marL="457148" indent="0">
               <a:buNone/>
               <a:defRPr sz="1400"/>
             </a:lvl2pPr>
-            <a:lvl3pPr marL="914400" indent="0">
+            <a:lvl3pPr marL="914296" indent="0">
               <a:buNone/>
               <a:defRPr sz="1200"/>
             </a:lvl3pPr>
-            <a:lvl4pPr marL="1371600" indent="0">
-              <a:buNone/>
-              <a:defRPr sz="1000"/>
+            <a:lvl4pPr marL="1371445" indent="0">
+              <a:buNone/>
+              <a:defRPr sz="1100"/>
             </a:lvl4pPr>
-            <a:lvl5pPr marL="1828800" indent="0">
-              <a:buNone/>
-              <a:defRPr sz="1000"/>
+            <a:lvl5pPr marL="1828592" indent="0">
+              <a:buNone/>
+              <a:defRPr sz="1100"/>
             </a:lvl5pPr>
-            <a:lvl6pPr marL="2286000" indent="0">
-              <a:buNone/>
-              <a:defRPr sz="1000"/>
+            <a:lvl6pPr marL="2285740" indent="0">
+              <a:buNone/>
+              <a:defRPr sz="1100"/>
             </a:lvl6pPr>
-            <a:lvl7pPr marL="2743200" indent="0">
-              <a:buNone/>
-              <a:defRPr sz="1000"/>
+            <a:lvl7pPr marL="2742888" indent="0">
+              <a:buNone/>
+              <a:defRPr sz="1100"/>
             </a:lvl7pPr>
-            <a:lvl8pPr marL="3200400" indent="0">
-              <a:buNone/>
-              <a:defRPr sz="1000"/>
+            <a:lvl8pPr marL="3200036" indent="0">
+              <a:buNone/>
+              <a:defRPr sz="1100"/>
             </a:lvl8pPr>
-            <a:lvl9pPr marL="3657600" indent="0">
-              <a:buNone/>
-              <a:defRPr sz="1000"/>
+            <a:lvl9pPr marL="3657184" indent="0">
+              <a:buNone/>
+              <a:defRPr sz="1100"/>
             </a:lvl9pPr>
           </a:lstStyle>
           <a:p>
@@ -2096,7 +2101,7 @@
           <a:p>
             <a:fld id="{F1341232-24A3-4A3F-87D1-12897675C94C}" type="datetimeFigureOut">
               <a:rPr lang="en-IN" smtClean="0"/>
-              <a:t>25-07-2016</a:t>
+              <a:t>26-07-2016</a:t>
             </a:fld>
             <a:endParaRPr lang="en-IN"/>
           </a:p>
@@ -2186,8 +2191,8 @@
         </p:nvSpPr>
         <p:spPr>
           <a:xfrm>
-            <a:off x="839788" y="457200"/>
-            <a:ext cx="3932237" cy="1600200"/>
+            <a:off x="629843" y="457200"/>
+            <a:ext cx="2949178" cy="1600200"/>
           </a:xfrm>
         </p:spPr>
         <p:txBody>
@@ -2218,8 +2223,8 @@
         </p:nvSpPr>
         <p:spPr>
           <a:xfrm>
-            <a:off x="5183188" y="987425"/>
-            <a:ext cx="6172200" cy="4873625"/>
+            <a:off x="3887391" y="987427"/>
+            <a:ext cx="4629150" cy="4873625"/>
           </a:xfrm>
         </p:spPr>
         <p:txBody>
@@ -2229,35 +2234,35 @@
               <a:buNone/>
               <a:defRPr sz="3200"/>
             </a:lvl1pPr>
-            <a:lvl2pPr marL="457200" indent="0">
+            <a:lvl2pPr marL="457148" indent="0">
               <a:buNone/>
               <a:defRPr sz="2800"/>
             </a:lvl2pPr>
-            <a:lvl3pPr marL="914400" indent="0">
-              <a:buNone/>
-              <a:defRPr sz="2400"/>
+            <a:lvl3pPr marL="914296" indent="0">
+              <a:buNone/>
+              <a:defRPr sz="2300"/>
             </a:lvl3pPr>
-            <a:lvl4pPr marL="1371600" indent="0">
+            <a:lvl4pPr marL="1371445" indent="0">
               <a:buNone/>
               <a:defRPr sz="2000"/>
             </a:lvl4pPr>
-            <a:lvl5pPr marL="1828800" indent="0">
+            <a:lvl5pPr marL="1828592" indent="0">
               <a:buNone/>
               <a:defRPr sz="2000"/>
             </a:lvl5pPr>
-            <a:lvl6pPr marL="2286000" indent="0">
+            <a:lvl6pPr marL="2285740" indent="0">
               <a:buNone/>
               <a:defRPr sz="2000"/>
             </a:lvl6pPr>
-            <a:lvl7pPr marL="2743200" indent="0">
+            <a:lvl7pPr marL="2742888" indent="0">
               <a:buNone/>
               <a:defRPr sz="2000"/>
             </a:lvl7pPr>
-            <a:lvl8pPr marL="3200400" indent="0">
+            <a:lvl8pPr marL="3200036" indent="0">
               <a:buNone/>
               <a:defRPr sz="2000"/>
             </a:lvl8pPr>
-            <a:lvl9pPr marL="3657600" indent="0">
+            <a:lvl9pPr marL="3657184" indent="0">
               <a:buNone/>
               <a:defRPr sz="2000"/>
             </a:lvl9pPr>
@@ -2279,8 +2284,8 @@
         </p:nvSpPr>
         <p:spPr>
           <a:xfrm>
-            <a:off x="839788" y="2057400"/>
-            <a:ext cx="3932237" cy="3811588"/>
+            <a:off x="629843" y="2057401"/>
+            <a:ext cx="2949178" cy="3811588"/>
           </a:xfrm>
         </p:spPr>
         <p:txBody>
@@ -2290,37 +2295,37 @@
               <a:buNone/>
               <a:defRPr sz="1600"/>
             </a:lvl1pPr>
-            <a:lvl2pPr marL="457200" indent="0">
+            <a:lvl2pPr marL="457148" indent="0">
               <a:buNone/>
               <a:defRPr sz="1400"/>
             </a:lvl2pPr>
-            <a:lvl3pPr marL="914400" indent="0">
+            <a:lvl3pPr marL="914296" indent="0">
               <a:buNone/>
               <a:defRPr sz="1200"/>
             </a:lvl3pPr>
-            <a:lvl4pPr marL="1371600" indent="0">
-              <a:buNone/>
-              <a:defRPr sz="1000"/>
+            <a:lvl4pPr marL="1371445" indent="0">
+              <a:buNone/>
+              <a:defRPr sz="1100"/>
             </a:lvl4pPr>
-            <a:lvl5pPr marL="1828800" indent="0">
-              <a:buNone/>
-              <a:defRPr sz="1000"/>
+            <a:lvl5pPr marL="1828592" indent="0">
+              <a:buNone/>
+              <a:defRPr sz="1100"/>
             </a:lvl5pPr>
-            <a:lvl6pPr marL="2286000" indent="0">
-              <a:buNone/>
-              <a:defRPr sz="1000"/>
+            <a:lvl6pPr marL="2285740" indent="0">
+              <a:buNone/>
+              <a:defRPr sz="1100"/>
             </a:lvl6pPr>
-            <a:lvl7pPr marL="2743200" indent="0">
-              <a:buNone/>
-              <a:defRPr sz="1000"/>
+            <a:lvl7pPr marL="2742888" indent="0">
+              <a:buNone/>
+              <a:defRPr sz="1100"/>
             </a:lvl7pPr>
-            <a:lvl8pPr marL="3200400" indent="0">
-              <a:buNone/>
-              <a:defRPr sz="1000"/>
+            <a:lvl8pPr marL="3200036" indent="0">
+              <a:buNone/>
+              <a:defRPr sz="1100"/>
             </a:lvl8pPr>
-            <a:lvl9pPr marL="3657600" indent="0">
-              <a:buNone/>
-              <a:defRPr sz="1000"/>
+            <a:lvl9pPr marL="3657184" indent="0">
+              <a:buNone/>
+              <a:defRPr sz="1100"/>
             </a:lvl9pPr>
           </a:lstStyle>
           <a:p>
@@ -2349,7 +2354,7 @@
           <a:p>
             <a:fld id="{F1341232-24A3-4A3F-87D1-12897675C94C}" type="datetimeFigureOut">
               <a:rPr lang="en-IN" smtClean="0"/>
-              <a:t>25-07-2016</a:t>
+              <a:t>26-07-2016</a:t>
             </a:fld>
             <a:endParaRPr lang="en-IN"/>
           </a:p>
@@ -2444,15 +2449,15 @@
         </p:nvSpPr>
         <p:spPr>
           <a:xfrm>
-            <a:off x="838200" y="365125"/>
-            <a:ext cx="10515600" cy="1325563"/>
+            <a:off x="628652" y="365126"/>
+            <a:ext cx="7886700" cy="1325563"/>
           </a:xfrm>
           <a:prstGeom prst="rect">
             <a:avLst/>
           </a:prstGeom>
         </p:spPr>
         <p:txBody>
-          <a:bodyPr vert="horz" lIns="91440" tIns="45720" rIns="91440" bIns="45720" rtlCol="0" anchor="ctr">
+          <a:bodyPr vert="horz" lIns="91429" tIns="45715" rIns="91429" bIns="45715" rtlCol="0" anchor="ctr">
             <a:normAutofit/>
           </a:bodyPr>
           <a:lstStyle/>
@@ -2477,15 +2482,15 @@
         </p:nvSpPr>
         <p:spPr>
           <a:xfrm>
-            <a:off x="838200" y="1825625"/>
-            <a:ext cx="10515600" cy="4351338"/>
+            <a:off x="628652" y="1825624"/>
+            <a:ext cx="7886700" cy="4351339"/>
           </a:xfrm>
           <a:prstGeom prst="rect">
             <a:avLst/>
           </a:prstGeom>
         </p:spPr>
         <p:txBody>
-          <a:bodyPr vert="horz" lIns="91440" tIns="45720" rIns="91440" bIns="45720" rtlCol="0">
+          <a:bodyPr vert="horz" lIns="91429" tIns="45715" rIns="91429" bIns="45715" rtlCol="0">
             <a:normAutofit/>
           </a:bodyPr>
           <a:lstStyle/>
@@ -2539,15 +2544,15 @@
         </p:nvSpPr>
         <p:spPr>
           <a:xfrm>
-            <a:off x="838200" y="6356350"/>
-            <a:ext cx="2743200" cy="365125"/>
+            <a:off x="628650" y="6356353"/>
+            <a:ext cx="2057400" cy="365125"/>
           </a:xfrm>
           <a:prstGeom prst="rect">
             <a:avLst/>
           </a:prstGeom>
         </p:spPr>
         <p:txBody>
-          <a:bodyPr vert="horz" lIns="91440" tIns="45720" rIns="91440" bIns="45720" rtlCol="0" anchor="ctr"/>
+          <a:bodyPr vert="horz" lIns="91429" tIns="45715" rIns="91429" bIns="45715" rtlCol="0" anchor="ctr"/>
           <a:lstStyle>
             <a:lvl1pPr algn="l">
               <a:defRPr sz="1200">
@@ -2562,7 +2567,7 @@
           <a:p>
             <a:fld id="{F1341232-24A3-4A3F-87D1-12897675C94C}" type="datetimeFigureOut">
               <a:rPr lang="en-IN" smtClean="0"/>
-              <a:t>25-07-2016</a:t>
+              <a:t>26-07-2016</a:t>
             </a:fld>
             <a:endParaRPr lang="en-IN"/>
           </a:p>
@@ -2580,15 +2585,15 @@
         </p:nvSpPr>
         <p:spPr>
           <a:xfrm>
-            <a:off x="4038600" y="6356350"/>
-            <a:ext cx="4114800" cy="365125"/>
+            <a:off x="3028952" y="6356353"/>
+            <a:ext cx="3086100" cy="365125"/>
           </a:xfrm>
           <a:prstGeom prst="rect">
             <a:avLst/>
           </a:prstGeom>
         </p:spPr>
         <p:txBody>
-          <a:bodyPr vert="horz" lIns="91440" tIns="45720" rIns="91440" bIns="45720" rtlCol="0" anchor="ctr"/>
+          <a:bodyPr vert="horz" lIns="91429" tIns="45715" rIns="91429" bIns="45715" rtlCol="0" anchor="ctr"/>
           <a:lstStyle>
             <a:lvl1pPr algn="ctr">
               <a:defRPr sz="1200">
@@ -2617,15 +2622,15 @@
         </p:nvSpPr>
         <p:spPr>
           <a:xfrm>
-            <a:off x="8610600" y="6356350"/>
-            <a:ext cx="2743200" cy="365125"/>
+            <a:off x="6457950" y="6356353"/>
+            <a:ext cx="2057400" cy="365125"/>
           </a:xfrm>
           <a:prstGeom prst="rect">
             <a:avLst/>
           </a:prstGeom>
         </p:spPr>
         <p:txBody>
-          <a:bodyPr vert="horz" lIns="91440" tIns="45720" rIns="91440" bIns="45720" rtlCol="0" anchor="ctr"/>
+          <a:bodyPr vert="horz" lIns="91429" tIns="45715" rIns="91429" bIns="45715" rtlCol="0" anchor="ctr"/>
           <a:lstStyle>
             <a:lvl1pPr algn="r">
               <a:defRPr sz="1200">
@@ -2669,7 +2674,7 @@
   </p:sldLayoutIdLst>
   <p:txStyles>
     <p:titleStyle>
-      <a:lvl1pPr algn="l" defTabSz="914400" rtl="0" eaLnBrk="1" latinLnBrk="0" hangingPunct="1">
+      <a:lvl1pPr algn="l" defTabSz="914296" rtl="0" eaLnBrk="1" latinLnBrk="0" hangingPunct="1">
         <a:lnSpc>
           <a:spcPct val="90000"/>
         </a:lnSpc>
@@ -2677,7 +2682,7 @@
           <a:spcPct val="0"/>
         </a:spcBef>
         <a:buNone/>
-        <a:defRPr sz="4400" kern="1200">
+        <a:defRPr sz="4300" kern="1200">
           <a:solidFill>
             <a:schemeClr val="tx1"/>
           </a:solidFill>
@@ -2688,7 +2693,7 @@
       </a:lvl1pPr>
     </p:titleStyle>
     <p:bodyStyle>
-      <a:lvl1pPr marL="228600" indent="-228600" algn="l" defTabSz="914400" rtl="0" eaLnBrk="1" latinLnBrk="0" hangingPunct="1">
+      <a:lvl1pPr marL="228574" indent="-228574" algn="l" defTabSz="914296" rtl="0" eaLnBrk="1" latinLnBrk="0" hangingPunct="1">
         <a:lnSpc>
           <a:spcPct val="90000"/>
         </a:lnSpc>
@@ -2706,7 +2711,7 @@
           <a:cs typeface="+mn-cs"/>
         </a:defRPr>
       </a:lvl1pPr>
-      <a:lvl2pPr marL="685800" indent="-228600" algn="l" defTabSz="914400" rtl="0" eaLnBrk="1" latinLnBrk="0" hangingPunct="1">
+      <a:lvl2pPr marL="685722" indent="-228574" algn="l" defTabSz="914296" rtl="0" eaLnBrk="1" latinLnBrk="0" hangingPunct="1">
         <a:lnSpc>
           <a:spcPct val="90000"/>
         </a:lnSpc>
@@ -2715,7 +2720,7 @@
         </a:spcBef>
         <a:buFont typeface="Arial" panose="020B0604020202020204" pitchFamily="34" charset="0"/>
         <a:buChar char="•"/>
-        <a:defRPr sz="2400" kern="1200">
+        <a:defRPr sz="2300" kern="1200">
           <a:solidFill>
             <a:schemeClr val="tx1"/>
           </a:solidFill>
@@ -2724,7 +2729,7 @@
           <a:cs typeface="+mn-cs"/>
         </a:defRPr>
       </a:lvl2pPr>
-      <a:lvl3pPr marL="1143000" indent="-228600" algn="l" defTabSz="914400" rtl="0" eaLnBrk="1" latinLnBrk="0" hangingPunct="1">
+      <a:lvl3pPr marL="1142870" indent="-228574" algn="l" defTabSz="914296" rtl="0" eaLnBrk="1" latinLnBrk="0" hangingPunct="1">
         <a:lnSpc>
           <a:spcPct val="90000"/>
         </a:lnSpc>
@@ -2742,7 +2747,7 @@
           <a:cs typeface="+mn-cs"/>
         </a:defRPr>
       </a:lvl3pPr>
-      <a:lvl4pPr marL="1600200" indent="-228600" algn="l" defTabSz="914400" rtl="0" eaLnBrk="1" latinLnBrk="0" hangingPunct="1">
+      <a:lvl4pPr marL="1600017" indent="-228574" algn="l" defTabSz="914296" rtl="0" eaLnBrk="1" latinLnBrk="0" hangingPunct="1">
         <a:lnSpc>
           <a:spcPct val="90000"/>
         </a:lnSpc>
@@ -2760,7 +2765,7 @@
           <a:cs typeface="+mn-cs"/>
         </a:defRPr>
       </a:lvl4pPr>
-      <a:lvl5pPr marL="2057400" indent="-228600" algn="l" defTabSz="914400" rtl="0" eaLnBrk="1" latinLnBrk="0" hangingPunct="1">
+      <a:lvl5pPr marL="2057166" indent="-228574" algn="l" defTabSz="914296" rtl="0" eaLnBrk="1" latinLnBrk="0" hangingPunct="1">
         <a:lnSpc>
           <a:spcPct val="90000"/>
         </a:lnSpc>
@@ -2778,7 +2783,7 @@
           <a:cs typeface="+mn-cs"/>
         </a:defRPr>
       </a:lvl5pPr>
-      <a:lvl6pPr marL="2514600" indent="-228600" algn="l" defTabSz="914400" rtl="0" eaLnBrk="1" latinLnBrk="0" hangingPunct="1">
+      <a:lvl6pPr marL="2514314" indent="-228574" algn="l" defTabSz="914296" rtl="0" eaLnBrk="1" latinLnBrk="0" hangingPunct="1">
         <a:lnSpc>
           <a:spcPct val="90000"/>
         </a:lnSpc>
@@ -2796,7 +2801,7 @@
           <a:cs typeface="+mn-cs"/>
         </a:defRPr>
       </a:lvl6pPr>
-      <a:lvl7pPr marL="2971800" indent="-228600" algn="l" defTabSz="914400" rtl="0" eaLnBrk="1" latinLnBrk="0" hangingPunct="1">
+      <a:lvl7pPr marL="2971462" indent="-228574" algn="l" defTabSz="914296" rtl="0" eaLnBrk="1" latinLnBrk="0" hangingPunct="1">
         <a:lnSpc>
           <a:spcPct val="90000"/>
         </a:lnSpc>
@@ -2814,7 +2819,7 @@
           <a:cs typeface="+mn-cs"/>
         </a:defRPr>
       </a:lvl7pPr>
-      <a:lvl8pPr marL="3429000" indent="-228600" algn="l" defTabSz="914400" rtl="0" eaLnBrk="1" latinLnBrk="0" hangingPunct="1">
+      <a:lvl8pPr marL="3428610" indent="-228574" algn="l" defTabSz="914296" rtl="0" eaLnBrk="1" latinLnBrk="0" hangingPunct="1">
         <a:lnSpc>
           <a:spcPct val="90000"/>
         </a:lnSpc>
@@ -2832,7 +2837,7 @@
           <a:cs typeface="+mn-cs"/>
         </a:defRPr>
       </a:lvl8pPr>
-      <a:lvl9pPr marL="3886200" indent="-228600" algn="l" defTabSz="914400" rtl="0" eaLnBrk="1" latinLnBrk="0" hangingPunct="1">
+      <a:lvl9pPr marL="3885758" indent="-228574" algn="l" defTabSz="914296" rtl="0" eaLnBrk="1" latinLnBrk="0" hangingPunct="1">
         <a:lnSpc>
           <a:spcPct val="90000"/>
         </a:lnSpc>
@@ -2855,7 +2860,7 @@
       <a:defPPr>
         <a:defRPr lang="en-US"/>
       </a:defPPr>
-      <a:lvl1pPr marL="0" algn="l" defTabSz="914400" rtl="0" eaLnBrk="1" latinLnBrk="0" hangingPunct="1">
+      <a:lvl1pPr marL="0" algn="l" defTabSz="914296" rtl="0" eaLnBrk="1" latinLnBrk="0" hangingPunct="1">
         <a:defRPr sz="1800" kern="1200">
           <a:solidFill>
             <a:schemeClr val="tx1"/>
@@ -2865,7 +2870,7 @@
           <a:cs typeface="+mn-cs"/>
         </a:defRPr>
       </a:lvl1pPr>
-      <a:lvl2pPr marL="457200" algn="l" defTabSz="914400" rtl="0" eaLnBrk="1" latinLnBrk="0" hangingPunct="1">
+      <a:lvl2pPr marL="457148" algn="l" defTabSz="914296" rtl="0" eaLnBrk="1" latinLnBrk="0" hangingPunct="1">
         <a:defRPr sz="1800" kern="1200">
           <a:solidFill>
             <a:schemeClr val="tx1"/>
@@ -2875,7 +2880,7 @@
           <a:cs typeface="+mn-cs"/>
         </a:defRPr>
       </a:lvl2pPr>
-      <a:lvl3pPr marL="914400" algn="l" defTabSz="914400" rtl="0" eaLnBrk="1" latinLnBrk="0" hangingPunct="1">
+      <a:lvl3pPr marL="914296" algn="l" defTabSz="914296" rtl="0" eaLnBrk="1" latinLnBrk="0" hangingPunct="1">
         <a:defRPr sz="1800" kern="1200">
           <a:solidFill>
             <a:schemeClr val="tx1"/>
@@ -2885,7 +2890,7 @@
           <a:cs typeface="+mn-cs"/>
         </a:defRPr>
       </a:lvl3pPr>
-      <a:lvl4pPr marL="1371600" algn="l" defTabSz="914400" rtl="0" eaLnBrk="1" latinLnBrk="0" hangingPunct="1">
+      <a:lvl4pPr marL="1371445" algn="l" defTabSz="914296" rtl="0" eaLnBrk="1" latinLnBrk="0" hangingPunct="1">
         <a:defRPr sz="1800" kern="1200">
           <a:solidFill>
             <a:schemeClr val="tx1"/>
@@ -2895,7 +2900,7 @@
           <a:cs typeface="+mn-cs"/>
         </a:defRPr>
       </a:lvl4pPr>
-      <a:lvl5pPr marL="1828800" algn="l" defTabSz="914400" rtl="0" eaLnBrk="1" latinLnBrk="0" hangingPunct="1">
+      <a:lvl5pPr marL="1828592" algn="l" defTabSz="914296" rtl="0" eaLnBrk="1" latinLnBrk="0" hangingPunct="1">
         <a:defRPr sz="1800" kern="1200">
           <a:solidFill>
             <a:schemeClr val="tx1"/>
@@ -2905,7 +2910,7 @@
           <a:cs typeface="+mn-cs"/>
         </a:defRPr>
       </a:lvl5pPr>
-      <a:lvl6pPr marL="2286000" algn="l" defTabSz="914400" rtl="0" eaLnBrk="1" latinLnBrk="0" hangingPunct="1">
+      <a:lvl6pPr marL="2285740" algn="l" defTabSz="914296" rtl="0" eaLnBrk="1" latinLnBrk="0" hangingPunct="1">
         <a:defRPr sz="1800" kern="1200">
           <a:solidFill>
             <a:schemeClr val="tx1"/>
@@ -2915,7 +2920,7 @@
           <a:cs typeface="+mn-cs"/>
         </a:defRPr>
       </a:lvl6pPr>
-      <a:lvl7pPr marL="2743200" algn="l" defTabSz="914400" rtl="0" eaLnBrk="1" latinLnBrk="0" hangingPunct="1">
+      <a:lvl7pPr marL="2742888" algn="l" defTabSz="914296" rtl="0" eaLnBrk="1" latinLnBrk="0" hangingPunct="1">
         <a:defRPr sz="1800" kern="1200">
           <a:solidFill>
             <a:schemeClr val="tx1"/>
@@ -2925,7 +2930,7 @@
           <a:cs typeface="+mn-cs"/>
         </a:defRPr>
       </a:lvl7pPr>
-      <a:lvl8pPr marL="3200400" algn="l" defTabSz="914400" rtl="0" eaLnBrk="1" latinLnBrk="0" hangingPunct="1">
+      <a:lvl8pPr marL="3200036" algn="l" defTabSz="914296" rtl="0" eaLnBrk="1" latinLnBrk="0" hangingPunct="1">
         <a:defRPr sz="1800" kern="1200">
           <a:solidFill>
             <a:schemeClr val="tx1"/>
@@ -2935,7 +2940,7 @@
           <a:cs typeface="+mn-cs"/>
         </a:defRPr>
       </a:lvl8pPr>
-      <a:lvl9pPr marL="3657600" algn="l" defTabSz="914400" rtl="0" eaLnBrk="1" latinLnBrk="0" hangingPunct="1">
+      <a:lvl9pPr marL="3657184" algn="l" defTabSz="914296" rtl="0" eaLnBrk="1" latinLnBrk="0" hangingPunct="1">
         <a:defRPr sz="1800" kern="1200">
           <a:solidFill>
             <a:schemeClr val="tx1"/>
@@ -3066,8 +3071,8 @@
         </p:nvSpPr>
         <p:spPr>
           <a:xfrm>
-            <a:off x="838200" y="1834417"/>
-            <a:ext cx="10515600" cy="4351338"/>
+            <a:off x="628652" y="1834418"/>
+            <a:ext cx="7886700" cy="4351339"/>
           </a:xfrm>
         </p:spPr>
         <p:txBody>
@@ -3162,12 +3167,33 @@
   <p:clrMapOvr>
     <a:masterClrMapping/>
   </p:clrMapOvr>
+  <p:timing>
+    <p:tnLst>
+      <p:par>
+        <p:cTn id="1" dur="indefinite" restart="never" nodeType="tmRoot"/>
+      </p:par>
+    </p:tnLst>
+  </p:timing>
 </p:sld>
 </file>
 
 <file path=ppt/slides/slide3.xml><?xml version="1.0" encoding="utf-8"?>
 <p:sld xmlns:a="http://schemas.openxmlformats.org/drawingml/2006/main" xmlns:r="http://schemas.openxmlformats.org/officeDocument/2006/relationships" xmlns:p="http://schemas.openxmlformats.org/presentationml/2006/main">
   <p:cSld>
+    <p:bg>
+      <p:bgPr>
+        <a:blipFill dpi="0" rotWithShape="1">
+          <a:blip r:embed="rId2">
+            <a:lum/>
+          </a:blip>
+          <a:srcRect/>
+          <a:stretch>
+            <a:fillRect l="-1000" r="-1000"/>
+          </a:stretch>
+        </a:blipFill>
+        <a:effectLst/>
+      </p:bgPr>
+    </p:bg>
     <p:spTree>
       <p:nvGrpSpPr>
         <p:cNvPr id="1" name=""/>
@@ -3184,94 +3210,60 @@
       </p:grpSpPr>
       <p:sp>
         <p:nvSpPr>
-          <p:cNvPr id="2" name="Title 1"/>
-          <p:cNvSpPr>
-            <a:spLocks noGrp="1"/>
-          </p:cNvSpPr>
-          <p:nvPr>
-            <p:ph type="title"/>
-          </p:nvPr>
-        </p:nvSpPr>
-        <p:spPr/>
-        <p:txBody>
-          <a:bodyPr/>
-          <a:lstStyle/>
-          <a:p>
-            <a:r>
-              <a:rPr lang="en-IN" dirty="0"/>
-              <a:t>Obtain these before session</a:t>
-            </a:r>
-          </a:p>
-        </p:txBody>
-      </p:sp>
-      <p:sp>
-        <p:nvSpPr>
-          <p:cNvPr id="3" name="Content Placeholder 2"/>
-          <p:cNvSpPr>
-            <a:spLocks noGrp="1"/>
-          </p:cNvSpPr>
-          <p:nvPr>
-            <p:ph idx="1"/>
-          </p:nvPr>
-        </p:nvSpPr>
-        <p:spPr/>
-        <p:txBody>
-          <a:bodyPr/>
-          <a:lstStyle/>
-          <a:p>
-            <a:r>
-              <a:rPr lang="en-IN" dirty="0"/>
-              <a:t>Obtain API key from </a:t>
-            </a:r>
-            <a:r>
-              <a:rPr lang="en-IN" dirty="0" err="1"/>
-              <a:t>openweatherapi</a:t>
-            </a:r>
-            <a:endParaRPr lang="en-IN" dirty="0"/>
-          </a:p>
-          <a:p>
-            <a:r>
-              <a:rPr lang="en-IN" dirty="0"/>
-              <a:t>Install Anaconda</a:t>
-            </a:r>
-          </a:p>
-          <a:p>
-            <a:r>
-              <a:rPr lang="en-IN" dirty="0"/>
-              <a:t>What is Flask</a:t>
-            </a:r>
-          </a:p>
-          <a:p>
-            <a:r>
-              <a:rPr lang="en-IN" dirty="0" err="1"/>
-              <a:t>Predix</a:t>
-            </a:r>
-            <a:r>
-              <a:rPr lang="en-IN" dirty="0"/>
-              <a:t> beta registration</a:t>
-            </a:r>
-          </a:p>
-          <a:p>
-            <a:r>
-              <a:rPr lang="en-IN" dirty="0"/>
-              <a:t>Cloud foundry installation and familiarisation</a:t>
-            </a:r>
-          </a:p>
-          <a:p>
-            <a:endParaRPr lang="en-IN" dirty="0"/>
+          <p:cNvPr id="5" name="TextBox 4"/>
+          <p:cNvSpPr txBox="1"/>
+          <p:nvPr/>
+        </p:nvSpPr>
+        <p:spPr>
+          <a:xfrm>
+            <a:off x="3569549" y="2432913"/>
+            <a:ext cx="3899219" cy="707876"/>
+          </a:xfrm>
+          <a:prstGeom prst="rect">
+            <a:avLst/>
+          </a:prstGeom>
+          <a:noFill/>
+        </p:spPr>
+        <p:txBody>
+          <a:bodyPr wrap="square" lIns="91429" tIns="45715" rIns="91429" bIns="45715" rtlCol="0">
+            <a:spAutoFit/>
+          </a:bodyPr>
+          <a:lstStyle/>
+          <a:p>
+            <a:r>
+              <a:rPr lang="en-US" sz="1100" dirty="0"/>
+              <a:t>Courtesy: </a:t>
+            </a:r>
+            <a:r>
+              <a:rPr lang="en-US" sz="1100" dirty="0">
+                <a:hlinkClick r:id="rId3"/>
+              </a:rPr>
+              <a:t>http://whitehatsme.com/wp-content/uploads/2014/03/Benefits-of-Google-Apps.png</a:t>
+            </a:r>
+            <a:endParaRPr lang="en-US" sz="1100" dirty="0"/>
+          </a:p>
+          <a:p>
+            <a:endParaRPr lang="en-US" dirty="0"/>
           </a:p>
         </p:txBody>
       </p:sp>
     </p:spTree>
     <p:extLst>
       <p:ext uri="{BB962C8B-B14F-4D97-AF65-F5344CB8AC3E}">
-        <p14:creationId xmlns:p14="http://schemas.microsoft.com/office/powerpoint/2010/main" val="3542372148"/>
+        <p14:creationId xmlns:p14="http://schemas.microsoft.com/office/powerpoint/2010/main" val="1478018004"/>
       </p:ext>
     </p:extLst>
   </p:cSld>
   <p:clrMapOvr>
     <a:masterClrMapping/>
   </p:clrMapOvr>
+  <p:timing>
+    <p:tnLst>
+      <p:par>
+        <p:cTn id="1" dur="indefinite" restart="never" nodeType="tmRoot"/>
+      </p:par>
+    </p:tnLst>
+  </p:timing>
 </p:sld>
 </file>
 
@@ -3292,23 +3284,595 @@
           <a:chExt cx="0" cy="0"/>
         </a:xfrm>
       </p:grpSpPr>
-      <p:sp>
-        <p:nvSpPr>
-          <p:cNvPr id="4" name="Rectangle 3"/>
+      <p:pic>
+        <p:nvPicPr>
+          <p:cNvPr id="2050" name="Picture 2"/>
+          <p:cNvPicPr>
+            <a:picLocks noChangeAspect="1" noChangeArrowheads="1"/>
+          </p:cNvPicPr>
+          <p:nvPr/>
+        </p:nvPicPr>
+        <p:blipFill>
+          <a:blip r:embed="rId2">
+            <a:extLst>
+              <a:ext uri="{28A0092B-C50C-407E-A947-70E740481C1C}">
+                <a14:useLocalDpi xmlns:a14="http://schemas.microsoft.com/office/drawing/2010/main" val="0"/>
+              </a:ext>
+            </a:extLst>
+          </a:blip>
+          <a:srcRect/>
+          <a:stretch>
+            <a:fillRect/>
+          </a:stretch>
+        </p:blipFill>
+        <p:spPr bwMode="auto">
+          <a:xfrm>
+            <a:off x="2206313" y="1315054"/>
+            <a:ext cx="4728962" cy="5249148"/>
+          </a:xfrm>
+          <a:prstGeom prst="rect">
+            <a:avLst/>
+          </a:prstGeom>
+          <a:noFill/>
+          <a:ln>
+            <a:noFill/>
+          </a:ln>
+          <a:extLst>
+            <a:ext uri="{909E8E84-426E-40DD-AFC4-6F175D3DCCD1}">
+              <a14:hiddenFill xmlns:a14="http://schemas.microsoft.com/office/drawing/2010/main">
+                <a:solidFill>
+                  <a:schemeClr val="accent1"/>
+                </a:solidFill>
+              </a14:hiddenFill>
+            </a:ext>
+            <a:ext uri="{91240B29-F687-4F45-9708-019B960494DF}">
+              <a14:hiddenLine xmlns:a14="http://schemas.microsoft.com/office/drawing/2010/main" w="9525">
+                <a:solidFill>
+                  <a:schemeClr val="tx1"/>
+                </a:solidFill>
+                <a:miter lim="800000"/>
+                <a:headEnd/>
+                <a:tailEnd/>
+              </a14:hiddenLine>
+            </a:ext>
+          </a:extLst>
+        </p:spPr>
+      </p:pic>
+      <p:sp>
+        <p:nvSpPr>
+          <p:cNvPr id="5" name="Title 4"/>
+          <p:cNvSpPr>
+            <a:spLocks noGrp="1"/>
+          </p:cNvSpPr>
+          <p:nvPr>
+            <p:ph type="title"/>
+          </p:nvPr>
+        </p:nvSpPr>
+        <p:spPr/>
+        <p:txBody>
+          <a:bodyPr/>
+          <a:lstStyle/>
+          <a:p>
+            <a:r>
+              <a:rPr lang="en-US" dirty="0" smtClean="0"/>
+              <a:t>They know what you want before you do…</a:t>
+            </a:r>
+            <a:endParaRPr lang="en-US" dirty="0"/>
+          </a:p>
+        </p:txBody>
+      </p:sp>
+      <p:sp>
+        <p:nvSpPr>
+          <p:cNvPr id="6" name="Rectangle 5"/>
           <p:cNvSpPr/>
           <p:nvPr/>
         </p:nvSpPr>
         <p:spPr>
           <a:xfrm>
-            <a:off x="844898" y="413211"/>
-            <a:ext cx="3524042" cy="369332"/>
+            <a:off x="4330521" y="6564206"/>
+            <a:ext cx="4813479" cy="461655"/>
           </a:xfrm>
           <a:prstGeom prst="rect">
             <a:avLst/>
           </a:prstGeom>
         </p:spPr>
         <p:txBody>
-          <a:bodyPr wrap="none">
+          <a:bodyPr wrap="square" lIns="91429" tIns="45715" rIns="91429" bIns="45715">
+            <a:spAutoFit/>
+          </a:bodyPr>
+          <a:lstStyle/>
+          <a:p>
+            <a:pPr algn="ctr"/>
+            <a:r>
+              <a:rPr lang="en-US" sz="1200" dirty="0"/>
+              <a:t>Courtesy: http://oliviaklose.com/mahout-and-hdinsight-1-what-is-mahout/</a:t>
+            </a:r>
+          </a:p>
+        </p:txBody>
+      </p:sp>
+    </p:spTree>
+    <p:extLst>
+      <p:ext uri="{BB962C8B-B14F-4D97-AF65-F5344CB8AC3E}">
+        <p14:creationId xmlns:p14="http://schemas.microsoft.com/office/powerpoint/2010/main" val="1519751354"/>
+      </p:ext>
+    </p:extLst>
+  </p:cSld>
+  <p:clrMapOvr>
+    <a:masterClrMapping/>
+  </p:clrMapOvr>
+  <p:timing>
+    <p:tnLst>
+      <p:par>
+        <p:cTn id="1" dur="indefinite" restart="never" nodeType="tmRoot"/>
+      </p:par>
+    </p:tnLst>
+  </p:timing>
+</p:sld>
+</file>
+
+<file path=ppt/slides/slide5.xml><?xml version="1.0" encoding="utf-8"?>
+<p:sld xmlns:a="http://schemas.openxmlformats.org/drawingml/2006/main" xmlns:r="http://schemas.openxmlformats.org/officeDocument/2006/relationships" xmlns:p="http://schemas.openxmlformats.org/presentationml/2006/main">
+  <p:cSld>
+    <p:bg>
+      <p:bgPr>
+        <a:blipFill>
+          <a:blip r:embed="rId2"/>
+          <a:stretch>
+            <a:fillRect/>
+          </a:stretch>
+        </a:blipFill>
+        <a:effectLst/>
+      </p:bgPr>
+    </p:bg>
+    <p:spTree>
+      <p:nvGrpSpPr>
+        <p:cNvPr id="1" name=""/>
+        <p:cNvGrpSpPr/>
+        <p:nvPr/>
+      </p:nvGrpSpPr>
+      <p:grpSpPr>
+        <a:xfrm>
+          <a:off x="0" y="0"/>
+          <a:ext cx="0" cy="0"/>
+          <a:chOff x="0" y="0"/>
+          <a:chExt cx="0" cy="0"/>
+        </a:xfrm>
+      </p:grpSpPr>
+    </p:spTree>
+    <p:extLst>
+      <p:ext uri="{BB962C8B-B14F-4D97-AF65-F5344CB8AC3E}">
+        <p14:creationId xmlns:p14="http://schemas.microsoft.com/office/powerpoint/2010/main" val="2201923518"/>
+      </p:ext>
+    </p:extLst>
+  </p:cSld>
+  <p:clrMapOvr>
+    <a:masterClrMapping/>
+  </p:clrMapOvr>
+  <p:timing>
+    <p:tnLst>
+      <p:par>
+        <p:cTn id="1" dur="indefinite" restart="never" nodeType="tmRoot"/>
+      </p:par>
+    </p:tnLst>
+  </p:timing>
+</p:sld>
+</file>
+
+<file path=ppt/slides/slide6.xml><?xml version="1.0" encoding="utf-8"?>
+<p:sld xmlns:a="http://schemas.openxmlformats.org/drawingml/2006/main" xmlns:r="http://schemas.openxmlformats.org/officeDocument/2006/relationships" xmlns:p="http://schemas.openxmlformats.org/presentationml/2006/main">
+  <p:cSld>
+    <p:spTree>
+      <p:nvGrpSpPr>
+        <p:cNvPr id="1" name=""/>
+        <p:cNvGrpSpPr/>
+        <p:nvPr/>
+      </p:nvGrpSpPr>
+      <p:grpSpPr>
+        <a:xfrm>
+          <a:off x="0" y="0"/>
+          <a:ext cx="0" cy="0"/>
+          <a:chOff x="0" y="0"/>
+          <a:chExt cx="0" cy="0"/>
+        </a:xfrm>
+      </p:grpSpPr>
+      <p:sp>
+        <p:nvSpPr>
+          <p:cNvPr id="3" name="AutoShape 4" descr="http://media-s3-us-east-1.ceros.com/ge/images/2016/05/19/04ef48555861dd796e1d9ae9a34e1164/ge-crosswind-cinemagraph-1.gif"/>
+          <p:cNvSpPr>
+            <a:spLocks noChangeAspect="1" noChangeArrowheads="1"/>
+          </p:cNvSpPr>
+          <p:nvPr/>
+        </p:nvSpPr>
+        <p:spPr bwMode="auto">
+          <a:xfrm>
+            <a:off x="47625" y="-136525"/>
+            <a:ext cx="228600" cy="304800"/>
+          </a:xfrm>
+          <a:prstGeom prst="rect">
+            <a:avLst/>
+          </a:prstGeom>
+          <a:noFill/>
+          <a:extLst>
+            <a:ext uri="{909E8E84-426E-40DD-AFC4-6F175D3DCCD1}">
+              <a14:hiddenFill xmlns:a14="http://schemas.microsoft.com/office/drawing/2010/main">
+                <a:solidFill>
+                  <a:srgbClr val="FFFFFF"/>
+                </a:solidFill>
+              </a14:hiddenFill>
+            </a:ext>
+          </a:extLst>
+        </p:spPr>
+        <p:txBody>
+          <a:bodyPr vert="horz" wrap="square" lIns="91429" tIns="45715" rIns="91429" bIns="45715" numCol="1" anchor="t" anchorCtr="0" compatLnSpc="1">
+            <a:prstTxWarp prst="textNoShape">
+              <a:avLst/>
+            </a:prstTxWarp>
+          </a:bodyPr>
+          <a:lstStyle/>
+          <a:p>
+            <a:endParaRPr lang="en-US"/>
+          </a:p>
+        </p:txBody>
+      </p:sp>
+      <p:sp>
+        <p:nvSpPr>
+          <p:cNvPr id="4" name="AutoShape 6" descr="https://www.gepower.com/content/dam/gepower-pgdp/global/en_US/images/industry%20news/ge-digital-power-plant-1024x768.gif"/>
+          <p:cNvSpPr>
+            <a:spLocks noChangeAspect="1" noChangeArrowheads="1"/>
+          </p:cNvSpPr>
+          <p:nvPr/>
+        </p:nvSpPr>
+        <p:spPr bwMode="auto">
+          <a:xfrm>
+            <a:off x="58617" y="-136524"/>
+            <a:ext cx="274027" cy="296863"/>
+          </a:xfrm>
+          <a:prstGeom prst="rect">
+            <a:avLst/>
+          </a:prstGeom>
+          <a:noFill/>
+          <a:extLst>
+            <a:ext uri="{909E8E84-426E-40DD-AFC4-6F175D3DCCD1}">
+              <a14:hiddenFill xmlns:a14="http://schemas.microsoft.com/office/drawing/2010/main">
+                <a:solidFill>
+                  <a:srgbClr val="FFFFFF"/>
+                </a:solidFill>
+              </a14:hiddenFill>
+            </a:ext>
+          </a:extLst>
+        </p:spPr>
+        <p:txBody>
+          <a:bodyPr vert="horz" wrap="square" lIns="91429" tIns="45715" rIns="91429" bIns="45715" numCol="1" anchor="t" anchorCtr="0" compatLnSpc="1">
+            <a:prstTxWarp prst="textNoShape">
+              <a:avLst/>
+            </a:prstTxWarp>
+          </a:bodyPr>
+          <a:lstStyle/>
+          <a:p>
+            <a:endParaRPr lang="en-US"/>
+          </a:p>
+        </p:txBody>
+      </p:sp>
+      <p:pic>
+        <p:nvPicPr>
+          <p:cNvPr id="4104" name="Picture 8"/>
+          <p:cNvPicPr>
+            <a:picLocks noChangeAspect="1" noChangeArrowheads="1"/>
+          </p:cNvPicPr>
+          <p:nvPr/>
+        </p:nvPicPr>
+        <p:blipFill>
+          <a:blip r:embed="rId2">
+            <a:extLst>
+              <a:ext uri="{28A0092B-C50C-407E-A947-70E740481C1C}">
+                <a14:useLocalDpi xmlns:a14="http://schemas.microsoft.com/office/drawing/2010/main" val="0"/>
+              </a:ext>
+            </a:extLst>
+          </a:blip>
+          <a:srcRect/>
+          <a:stretch>
+            <a:fillRect/>
+          </a:stretch>
+        </p:blipFill>
+        <p:spPr bwMode="auto">
+          <a:xfrm>
+            <a:off x="0" y="0"/>
+            <a:ext cx="9144000" cy="6858000"/>
+          </a:xfrm>
+          <a:prstGeom prst="rect">
+            <a:avLst/>
+          </a:prstGeom>
+          <a:noFill/>
+          <a:ln>
+            <a:noFill/>
+          </a:ln>
+          <a:extLst>
+            <a:ext uri="{909E8E84-426E-40DD-AFC4-6F175D3DCCD1}">
+              <a14:hiddenFill xmlns:a14="http://schemas.microsoft.com/office/drawing/2010/main">
+                <a:solidFill>
+                  <a:schemeClr val="accent1"/>
+                </a:solidFill>
+              </a14:hiddenFill>
+            </a:ext>
+            <a:ext uri="{91240B29-F687-4F45-9708-019B960494DF}">
+              <a14:hiddenLine xmlns:a14="http://schemas.microsoft.com/office/drawing/2010/main" w="9525">
+                <a:solidFill>
+                  <a:schemeClr val="tx1"/>
+                </a:solidFill>
+                <a:miter lim="800000"/>
+                <a:headEnd/>
+                <a:tailEnd/>
+              </a14:hiddenLine>
+            </a:ext>
+          </a:extLst>
+        </p:spPr>
+      </p:pic>
+    </p:spTree>
+    <p:extLst>
+      <p:ext uri="{BB962C8B-B14F-4D97-AF65-F5344CB8AC3E}">
+        <p14:creationId xmlns:p14="http://schemas.microsoft.com/office/powerpoint/2010/main" val="2406325648"/>
+      </p:ext>
+    </p:extLst>
+  </p:cSld>
+  <p:clrMapOvr>
+    <a:masterClrMapping/>
+  </p:clrMapOvr>
+  <p:timing>
+    <p:tnLst>
+      <p:par>
+        <p:cTn id="1" dur="indefinite" restart="never" nodeType="tmRoot"/>
+      </p:par>
+    </p:tnLst>
+  </p:timing>
+</p:sld>
+</file>
+
+<file path=ppt/slides/slide7.xml><?xml version="1.0" encoding="utf-8"?>
+<p:sld xmlns:a="http://schemas.openxmlformats.org/drawingml/2006/main" xmlns:r="http://schemas.openxmlformats.org/officeDocument/2006/relationships" xmlns:p="http://schemas.openxmlformats.org/presentationml/2006/main">
+  <p:cSld>
+    <p:spTree>
+      <p:nvGrpSpPr>
+        <p:cNvPr id="1" name=""/>
+        <p:cNvGrpSpPr/>
+        <p:nvPr/>
+      </p:nvGrpSpPr>
+      <p:grpSpPr>
+        <a:xfrm>
+          <a:off x="0" y="0"/>
+          <a:ext cx="0" cy="0"/>
+          <a:chOff x="0" y="0"/>
+          <a:chExt cx="0" cy="0"/>
+        </a:xfrm>
+      </p:grpSpPr>
+      <p:sp>
+        <p:nvSpPr>
+          <p:cNvPr id="2" name="Title 1"/>
+          <p:cNvSpPr>
+            <a:spLocks noGrp="1"/>
+          </p:cNvSpPr>
+          <p:nvPr>
+            <p:ph type="title"/>
+          </p:nvPr>
+        </p:nvSpPr>
+        <p:spPr/>
+        <p:txBody>
+          <a:bodyPr/>
+          <a:lstStyle/>
+          <a:p>
+            <a:endParaRPr lang="en-US"/>
+          </a:p>
+        </p:txBody>
+      </p:sp>
+      <p:sp>
+        <p:nvSpPr>
+          <p:cNvPr id="3" name="AutoShape 5" descr="https://www.gepower.com/content/dam/gepower-pgdp/global/en_US/images/industry%20news/ge-digital-power-plant-1024x768.gif"/>
+          <p:cNvSpPr>
+            <a:spLocks noChangeAspect="1" noChangeArrowheads="1"/>
+          </p:cNvSpPr>
+          <p:nvPr/>
+        </p:nvSpPr>
+        <p:spPr bwMode="auto">
+          <a:xfrm>
+            <a:off x="58617" y="-136524"/>
+            <a:ext cx="274027" cy="296863"/>
+          </a:xfrm>
+          <a:prstGeom prst="rect">
+            <a:avLst/>
+          </a:prstGeom>
+          <a:noFill/>
+          <a:extLst>
+            <a:ext uri="{909E8E84-426E-40DD-AFC4-6F175D3DCCD1}">
+              <a14:hiddenFill xmlns:a14="http://schemas.microsoft.com/office/drawing/2010/main">
+                <a:solidFill>
+                  <a:srgbClr val="FFFFFF"/>
+                </a:solidFill>
+              </a14:hiddenFill>
+            </a:ext>
+          </a:extLst>
+        </p:spPr>
+        <p:txBody>
+          <a:bodyPr vert="horz" wrap="square" lIns="91429" tIns="45715" rIns="91429" bIns="45715" numCol="1" anchor="t" anchorCtr="0" compatLnSpc="1">
+            <a:prstTxWarp prst="textNoShape">
+              <a:avLst/>
+            </a:prstTxWarp>
+          </a:bodyPr>
+          <a:lstStyle/>
+          <a:p>
+            <a:endParaRPr lang="en-US"/>
+          </a:p>
+        </p:txBody>
+      </p:sp>
+    </p:spTree>
+    <p:extLst>
+      <p:ext uri="{BB962C8B-B14F-4D97-AF65-F5344CB8AC3E}">
+        <p14:creationId xmlns:p14="http://schemas.microsoft.com/office/powerpoint/2010/main" val="3433134053"/>
+      </p:ext>
+    </p:extLst>
+  </p:cSld>
+  <p:clrMapOvr>
+    <a:masterClrMapping/>
+  </p:clrMapOvr>
+  <p:timing>
+    <p:tnLst>
+      <p:par>
+        <p:cTn id="1" dur="indefinite" restart="never" nodeType="tmRoot"/>
+      </p:par>
+    </p:tnLst>
+  </p:timing>
+</p:sld>
+</file>
+
+<file path=ppt/slides/slide8.xml><?xml version="1.0" encoding="utf-8"?>
+<p:sld xmlns:a="http://schemas.openxmlformats.org/drawingml/2006/main" xmlns:r="http://schemas.openxmlformats.org/officeDocument/2006/relationships" xmlns:p="http://schemas.openxmlformats.org/presentationml/2006/main">
+  <p:cSld>
+    <p:spTree>
+      <p:nvGrpSpPr>
+        <p:cNvPr id="1" name=""/>
+        <p:cNvGrpSpPr/>
+        <p:nvPr/>
+      </p:nvGrpSpPr>
+      <p:grpSpPr>
+        <a:xfrm>
+          <a:off x="0" y="0"/>
+          <a:ext cx="0" cy="0"/>
+          <a:chOff x="0" y="0"/>
+          <a:chExt cx="0" cy="0"/>
+        </a:xfrm>
+      </p:grpSpPr>
+      <p:sp>
+        <p:nvSpPr>
+          <p:cNvPr id="2" name="Title 1"/>
+          <p:cNvSpPr>
+            <a:spLocks noGrp="1"/>
+          </p:cNvSpPr>
+          <p:nvPr>
+            <p:ph type="title"/>
+          </p:nvPr>
+        </p:nvSpPr>
+        <p:spPr/>
+        <p:txBody>
+          <a:bodyPr/>
+          <a:lstStyle/>
+          <a:p>
+            <a:r>
+              <a:rPr lang="en-IN" dirty="0"/>
+              <a:t>Obtain these before session</a:t>
+            </a:r>
+          </a:p>
+        </p:txBody>
+      </p:sp>
+      <p:sp>
+        <p:nvSpPr>
+          <p:cNvPr id="3" name="Content Placeholder 2"/>
+          <p:cNvSpPr>
+            <a:spLocks noGrp="1"/>
+          </p:cNvSpPr>
+          <p:nvPr>
+            <p:ph idx="1"/>
+          </p:nvPr>
+        </p:nvSpPr>
+        <p:spPr/>
+        <p:txBody>
+          <a:bodyPr/>
+          <a:lstStyle/>
+          <a:p>
+            <a:r>
+              <a:rPr lang="en-IN" dirty="0"/>
+              <a:t>Obtain API key from </a:t>
+            </a:r>
+            <a:r>
+              <a:rPr lang="en-IN" dirty="0" err="1"/>
+              <a:t>openweatherapi</a:t>
+            </a:r>
+            <a:endParaRPr lang="en-IN" dirty="0"/>
+          </a:p>
+          <a:p>
+            <a:r>
+              <a:rPr lang="en-IN" dirty="0"/>
+              <a:t>Install Anaconda</a:t>
+            </a:r>
+          </a:p>
+          <a:p>
+            <a:r>
+              <a:rPr lang="en-IN" dirty="0"/>
+              <a:t>What is Flask</a:t>
+            </a:r>
+          </a:p>
+          <a:p>
+            <a:r>
+              <a:rPr lang="en-IN" dirty="0" err="1"/>
+              <a:t>Predix</a:t>
+            </a:r>
+            <a:r>
+              <a:rPr lang="en-IN" dirty="0"/>
+              <a:t> beta registration</a:t>
+            </a:r>
+          </a:p>
+          <a:p>
+            <a:r>
+              <a:rPr lang="en-IN" dirty="0"/>
+              <a:t>Cloud foundry installation and familiarisation</a:t>
+            </a:r>
+          </a:p>
+          <a:p>
+            <a:endParaRPr lang="en-IN" dirty="0"/>
+          </a:p>
+        </p:txBody>
+      </p:sp>
+    </p:spTree>
+    <p:extLst>
+      <p:ext uri="{BB962C8B-B14F-4D97-AF65-F5344CB8AC3E}">
+        <p14:creationId xmlns:p14="http://schemas.microsoft.com/office/powerpoint/2010/main" val="3542372148"/>
+      </p:ext>
+    </p:extLst>
+  </p:cSld>
+  <p:clrMapOvr>
+    <a:masterClrMapping/>
+  </p:clrMapOvr>
+  <p:timing>
+    <p:tnLst>
+      <p:par>
+        <p:cTn id="1" dur="indefinite" restart="never" nodeType="tmRoot"/>
+      </p:par>
+    </p:tnLst>
+  </p:timing>
+</p:sld>
+</file>
+
+<file path=ppt/slides/slide9.xml><?xml version="1.0" encoding="utf-8"?>
+<p:sld xmlns:a="http://schemas.openxmlformats.org/drawingml/2006/main" xmlns:r="http://schemas.openxmlformats.org/officeDocument/2006/relationships" xmlns:p="http://schemas.openxmlformats.org/presentationml/2006/main">
+  <p:cSld>
+    <p:spTree>
+      <p:nvGrpSpPr>
+        <p:cNvPr id="1" name=""/>
+        <p:cNvGrpSpPr/>
+        <p:nvPr/>
+      </p:nvGrpSpPr>
+      <p:grpSpPr>
+        <a:xfrm>
+          <a:off x="0" y="0"/>
+          <a:ext cx="0" cy="0"/>
+          <a:chOff x="0" y="0"/>
+          <a:chExt cx="0" cy="0"/>
+        </a:xfrm>
+      </p:grpSpPr>
+      <p:sp>
+        <p:nvSpPr>
+          <p:cNvPr id="4" name="Rectangle 3"/>
+          <p:cNvSpPr/>
+          <p:nvPr/>
+        </p:nvSpPr>
+        <p:spPr>
+          <a:xfrm>
+            <a:off x="633675" y="413211"/>
+            <a:ext cx="3524019" cy="369322"/>
+          </a:xfrm>
+          <a:prstGeom prst="rect">
+            <a:avLst/>
+          </a:prstGeom>
+        </p:spPr>
+        <p:txBody>
+          <a:bodyPr wrap="none" lIns="91429" tIns="45715" rIns="91429" bIns="45715">
             <a:spAutoFit/>
           </a:bodyPr>
           <a:lstStyle/>
@@ -3335,8 +3899,8 @@
         </p:blipFill>
         <p:spPr>
           <a:xfrm>
-            <a:off x="96715" y="880082"/>
-            <a:ext cx="5020408" cy="4728503"/>
+            <a:off x="72537" y="880084"/>
+            <a:ext cx="3765306" cy="4728503"/>
           </a:xfrm>
           <a:prstGeom prst="rect">
             <a:avLst/>
@@ -3353,6 +3917,13 @@
   <p:clrMapOvr>
     <a:masterClrMapping/>
   </p:clrMapOvr>
+  <p:timing>
+    <p:tnLst>
+      <p:par>
+        <p:cTn id="1" dur="indefinite" restart="never" nodeType="tmRoot"/>
+      </p:par>
+    </p:tnLst>
+  </p:timing>
 </p:sld>
 </file>
 
@@ -3645,7 +4216,7 @@
   <a:extraClrSchemeLst/>
   <a:extLst>
     <a:ext uri="{05A4C25C-085E-4340-85A3-A5531E510DB2}">
-      <thm15:themeFamily xmlns:thm15="http://schemas.microsoft.com/office/thememl/2012/main" name="Office Theme" id="{62F939B6-93AF-4DB8-9C6B-D6C7DFDC589F}" vid="{4A3C46E8-61CC-4603-A589-7422A47A8E4A}"/>
+      <thm15:themeFamily xmlns:thm15="http://schemas.microsoft.com/office/thememl/2012/main" xmlns="" name="Office Theme" id="{62F939B6-93AF-4DB8-9C6B-D6C7DFDC589F}" vid="{4A3C46E8-61CC-4603-A589-7422A47A8E4A}"/>
     </a:ext>
   </a:extLst>
 </a:theme>
